--- a/img/images.24.pptx
+++ b/img/images.24.pptx
@@ -10,6 +10,7 @@
     <p:sldId id="258" r:id="rId4"/>
     <p:sldId id="259" r:id="rId5"/>
     <p:sldId id="260" r:id="rId6"/>
+    <p:sldId id="261" r:id="rId7"/>
   </p:sldIdLst>
   <p:sldSz cx="12192000" cy="6858000"/>
   <p:notesSz cx="6858000" cy="9144000"/>
@@ -5695,10 +5696,9 @@
           <a:lstStyle/>
           <a:p>
             <a:r>
-              <a:rPr lang="de-DE"/>
+              <a:rPr lang="de-DE" dirty="0"/>
               <a:t>XOR</a:t>
             </a:r>
-            <a:endParaRPr lang="de-DE" dirty="0"/>
           </a:p>
         </p:txBody>
       </p:sp>
@@ -5706,6 +5706,578 @@
     <p:extLst>
       <p:ext uri="{BB962C8B-B14F-4D97-AF65-F5344CB8AC3E}">
         <p14:creationId xmlns:p14="http://schemas.microsoft.com/office/powerpoint/2010/main" val="2042993332"/>
+      </p:ext>
+    </p:extLst>
+  </p:cSld>
+  <p:clrMapOvr>
+    <a:masterClrMapping/>
+  </p:clrMapOvr>
+</p:sld>
+</file>
+
+<file path=ppt/slides/slide6.xml><?xml version="1.0" encoding="utf-8"?>
+<p:sld xmlns:a="http://schemas.openxmlformats.org/drawingml/2006/main" xmlns:r="http://schemas.openxmlformats.org/officeDocument/2006/relationships" xmlns:p="http://schemas.openxmlformats.org/presentationml/2006/main">
+  <p:cSld>
+    <p:spTree>
+      <p:nvGrpSpPr>
+        <p:cNvPr id="1" name=""/>
+        <p:cNvGrpSpPr/>
+        <p:nvPr/>
+      </p:nvGrpSpPr>
+      <p:grpSpPr>
+        <a:xfrm>
+          <a:off x="0" y="0"/>
+          <a:ext cx="0" cy="0"/>
+          <a:chOff x="0" y="0"/>
+          <a:chExt cx="0" cy="0"/>
+        </a:xfrm>
+      </p:grpSpPr>
+      <p:graphicFrame>
+        <p:nvGraphicFramePr>
+          <p:cNvPr id="2" name="Table 1">
+            <a:extLst>
+              <a:ext uri="{FF2B5EF4-FFF2-40B4-BE49-F238E27FC236}">
+                <a16:creationId xmlns:a16="http://schemas.microsoft.com/office/drawing/2014/main" id="{9460740F-F31A-4FA7-BF7C-557E09E84D88}"/>
+              </a:ext>
+            </a:extLst>
+          </p:cNvPr>
+          <p:cNvGraphicFramePr>
+            <a:graphicFrameLocks noGrp="1"/>
+          </p:cNvGraphicFramePr>
+          <p:nvPr>
+            <p:extLst>
+              <p:ext uri="{D42A27DB-BD31-4B8C-83A1-F6EECF244321}">
+                <p14:modId xmlns:p14="http://schemas.microsoft.com/office/powerpoint/2010/main" val="3443150003"/>
+              </p:ext>
+            </p:extLst>
+          </p:nvPr>
+        </p:nvGraphicFramePr>
+        <p:xfrm>
+          <a:off x="3958171" y="2609543"/>
+          <a:ext cx="4273552" cy="2011680"/>
+        </p:xfrm>
+        <a:graphic>
+          <a:graphicData uri="http://schemas.openxmlformats.org/drawingml/2006/table">
+            <a:tbl>
+              <a:tblPr firstRow="1" bandRow="1">
+                <a:tableStyleId>{B301B821-A1FF-4177-AEE7-76D212191A09}</a:tableStyleId>
+              </a:tblPr>
+              <a:tblGrid>
+                <a:gridCol w="838518">
+                  <a:extLst>
+                    <a:ext uri="{9D8B030D-6E8A-4147-A177-3AD203B41FA5}">
+                      <a16:colId xmlns:a16="http://schemas.microsoft.com/office/drawing/2014/main" val="3702566679"/>
+                    </a:ext>
+                  </a:extLst>
+                </a:gridCol>
+                <a:gridCol w="838518">
+                  <a:extLst>
+                    <a:ext uri="{9D8B030D-6E8A-4147-A177-3AD203B41FA5}">
+                      <a16:colId xmlns:a16="http://schemas.microsoft.com/office/drawing/2014/main" val="2533802435"/>
+                    </a:ext>
+                  </a:extLst>
+                </a:gridCol>
+                <a:gridCol w="838518">
+                  <a:extLst>
+                    <a:ext uri="{9D8B030D-6E8A-4147-A177-3AD203B41FA5}">
+                      <a16:colId xmlns:a16="http://schemas.microsoft.com/office/drawing/2014/main" val="1553380576"/>
+                    </a:ext>
+                  </a:extLst>
+                </a:gridCol>
+                <a:gridCol w="838518">
+                  <a:extLst>
+                    <a:ext uri="{9D8B030D-6E8A-4147-A177-3AD203B41FA5}">
+                      <a16:colId xmlns:a16="http://schemas.microsoft.com/office/drawing/2014/main" val="1618358689"/>
+                    </a:ext>
+                  </a:extLst>
+                </a:gridCol>
+                <a:gridCol w="919480">
+                  <a:extLst>
+                    <a:ext uri="{9D8B030D-6E8A-4147-A177-3AD203B41FA5}">
+                      <a16:colId xmlns:a16="http://schemas.microsoft.com/office/drawing/2014/main" val="940954588"/>
+                    </a:ext>
+                  </a:extLst>
+                </a:gridCol>
+              </a:tblGrid>
+              <a:tr h="147845">
+                <a:tc>
+                  <a:txBody>
+                    <a:bodyPr/>
+                    <a:lstStyle/>
+                    <a:p>
+                      <a:r>
+                        <a:rPr lang="de-DE" sz="1600" dirty="0"/>
+                        <a:t>Disk 0</a:t>
+                      </a:r>
+                    </a:p>
+                  </a:txBody>
+                  <a:tcPr/>
+                </a:tc>
+                <a:tc>
+                  <a:txBody>
+                    <a:bodyPr/>
+                    <a:lstStyle/>
+                    <a:p>
+                      <a:r>
+                        <a:rPr lang="de-DE" sz="1600" dirty="0"/>
+                        <a:t>Disk 1</a:t>
+                      </a:r>
+                    </a:p>
+                  </a:txBody>
+                  <a:tcPr/>
+                </a:tc>
+                <a:tc>
+                  <a:txBody>
+                    <a:bodyPr/>
+                    <a:lstStyle/>
+                    <a:p>
+                      <a:r>
+                        <a:rPr lang="de-DE" sz="1600" dirty="0"/>
+                        <a:t>Disk 2</a:t>
+                      </a:r>
+                    </a:p>
+                  </a:txBody>
+                  <a:tcPr/>
+                </a:tc>
+                <a:tc>
+                  <a:txBody>
+                    <a:bodyPr/>
+                    <a:lstStyle/>
+                    <a:p>
+                      <a:r>
+                        <a:rPr lang="de-DE" sz="1600" dirty="0"/>
+                        <a:t>Disk 3</a:t>
+                      </a:r>
+                    </a:p>
+                  </a:txBody>
+                  <a:tcPr/>
+                </a:tc>
+                <a:tc>
+                  <a:txBody>
+                    <a:bodyPr/>
+                    <a:lstStyle/>
+                    <a:p>
+                      <a:r>
+                        <a:rPr lang="de-DE" sz="1600" dirty="0"/>
+                        <a:t>Disk 4</a:t>
+                      </a:r>
+                    </a:p>
+                  </a:txBody>
+                  <a:tcPr/>
+                </a:tc>
+                <a:extLst>
+                  <a:ext uri="{0D108BD9-81ED-4DB2-BD59-A6C34878D82A}">
+                    <a16:rowId xmlns:a16="http://schemas.microsoft.com/office/drawing/2014/main" val="583255443"/>
+                  </a:ext>
+                </a:extLst>
+              </a:tr>
+              <a:tr h="301544">
+                <a:tc>
+                  <a:txBody>
+                    <a:bodyPr/>
+                    <a:lstStyle/>
+                    <a:p>
+                      <a:r>
+                        <a:rPr lang="de-DE" sz="1600" dirty="0"/>
+                        <a:t>0</a:t>
+                      </a:r>
+                    </a:p>
+                  </a:txBody>
+                  <a:tcPr/>
+                </a:tc>
+                <a:tc>
+                  <a:txBody>
+                    <a:bodyPr/>
+                    <a:lstStyle/>
+                    <a:p>
+                      <a:r>
+                        <a:rPr lang="de-DE" sz="1600" dirty="0"/>
+                        <a:t>1</a:t>
+                      </a:r>
+                    </a:p>
+                  </a:txBody>
+                  <a:tcPr/>
+                </a:tc>
+                <a:tc>
+                  <a:txBody>
+                    <a:bodyPr/>
+                    <a:lstStyle/>
+                    <a:p>
+                      <a:r>
+                        <a:rPr lang="de-DE" sz="1600" dirty="0"/>
+                        <a:t>2</a:t>
+                      </a:r>
+                    </a:p>
+                  </a:txBody>
+                  <a:tcPr/>
+                </a:tc>
+                <a:tc>
+                  <a:txBody>
+                    <a:bodyPr/>
+                    <a:lstStyle/>
+                    <a:p>
+                      <a:r>
+                        <a:rPr lang="de-DE" sz="1600" dirty="0"/>
+                        <a:t>3</a:t>
+                      </a:r>
+                    </a:p>
+                  </a:txBody>
+                  <a:tcPr/>
+                </a:tc>
+                <a:tc>
+                  <a:txBody>
+                    <a:bodyPr/>
+                    <a:lstStyle/>
+                    <a:p>
+                      <a:r>
+                        <a:rPr lang="de-DE" sz="1600" b="1" dirty="0"/>
+                        <a:t>P0</a:t>
+                      </a:r>
+                    </a:p>
+                  </a:txBody>
+                  <a:tcPr/>
+                </a:tc>
+                <a:extLst>
+                  <a:ext uri="{0D108BD9-81ED-4DB2-BD59-A6C34878D82A}">
+                    <a16:rowId xmlns:a16="http://schemas.microsoft.com/office/drawing/2014/main" val="1952966854"/>
+                  </a:ext>
+                </a:extLst>
+              </a:tr>
+              <a:tr h="263976">
+                <a:tc>
+                  <a:txBody>
+                    <a:bodyPr/>
+                    <a:lstStyle/>
+                    <a:p>
+                      <a:r>
+                        <a:rPr lang="de-DE" sz="1600" dirty="0"/>
+                        <a:t>5</a:t>
+                      </a:r>
+                    </a:p>
+                  </a:txBody>
+                  <a:tcPr/>
+                </a:tc>
+                <a:tc>
+                  <a:txBody>
+                    <a:bodyPr/>
+                    <a:lstStyle/>
+                    <a:p>
+                      <a:r>
+                        <a:rPr lang="de-DE" sz="1600" dirty="0"/>
+                        <a:t>6</a:t>
+                      </a:r>
+                    </a:p>
+                  </a:txBody>
+                  <a:tcPr/>
+                </a:tc>
+                <a:tc>
+                  <a:txBody>
+                    <a:bodyPr/>
+                    <a:lstStyle/>
+                    <a:p>
+                      <a:r>
+                        <a:rPr lang="de-DE" sz="1600" dirty="0"/>
+                        <a:t>7</a:t>
+                      </a:r>
+                    </a:p>
+                  </a:txBody>
+                  <a:tcPr/>
+                </a:tc>
+                <a:tc>
+                  <a:txBody>
+                    <a:bodyPr/>
+                    <a:lstStyle/>
+                    <a:p>
+                      <a:r>
+                        <a:rPr lang="de-DE" sz="1600" b="1" dirty="0"/>
+                        <a:t>P1</a:t>
+                      </a:r>
+                    </a:p>
+                  </a:txBody>
+                  <a:tcPr/>
+                </a:tc>
+                <a:tc>
+                  <a:txBody>
+                    <a:bodyPr/>
+                    <a:lstStyle/>
+                    <a:p>
+                      <a:r>
+                        <a:rPr lang="de-DE" sz="1600" dirty="0"/>
+                        <a:t>4</a:t>
+                      </a:r>
+                    </a:p>
+                  </a:txBody>
+                  <a:tcPr/>
+                </a:tc>
+                <a:extLst>
+                  <a:ext uri="{0D108BD9-81ED-4DB2-BD59-A6C34878D82A}">
+                    <a16:rowId xmlns:a16="http://schemas.microsoft.com/office/drawing/2014/main" val="2661671567"/>
+                  </a:ext>
+                </a:extLst>
+              </a:tr>
+              <a:tr h="254761">
+                <a:tc>
+                  <a:txBody>
+                    <a:bodyPr/>
+                    <a:lstStyle/>
+                    <a:p>
+                      <a:r>
+                        <a:rPr lang="de-DE" sz="1600" dirty="0"/>
+                        <a:t>10</a:t>
+                      </a:r>
+                    </a:p>
+                  </a:txBody>
+                  <a:tcPr/>
+                </a:tc>
+                <a:tc>
+                  <a:txBody>
+                    <a:bodyPr/>
+                    <a:lstStyle/>
+                    <a:p>
+                      <a:r>
+                        <a:rPr lang="de-DE" sz="1600" dirty="0"/>
+                        <a:t>11</a:t>
+                      </a:r>
+                    </a:p>
+                  </a:txBody>
+                  <a:tcPr/>
+                </a:tc>
+                <a:tc>
+                  <a:txBody>
+                    <a:bodyPr/>
+                    <a:lstStyle/>
+                    <a:p>
+                      <a:r>
+                        <a:rPr lang="de-DE" sz="1600" b="1" dirty="0"/>
+                        <a:t>P2</a:t>
+                      </a:r>
+                    </a:p>
+                  </a:txBody>
+                  <a:tcPr/>
+                </a:tc>
+                <a:tc>
+                  <a:txBody>
+                    <a:bodyPr/>
+                    <a:lstStyle/>
+                    <a:p>
+                      <a:r>
+                        <a:rPr lang="de-DE" sz="1600" dirty="0"/>
+                        <a:t>8</a:t>
+                      </a:r>
+                    </a:p>
+                  </a:txBody>
+                  <a:tcPr/>
+                </a:tc>
+                <a:tc>
+                  <a:txBody>
+                    <a:bodyPr/>
+                    <a:lstStyle/>
+                    <a:p>
+                      <a:r>
+                        <a:rPr lang="de-DE" sz="1600" dirty="0"/>
+                        <a:t>9</a:t>
+                      </a:r>
+                    </a:p>
+                  </a:txBody>
+                  <a:tcPr/>
+                </a:tc>
+                <a:extLst>
+                  <a:ext uri="{0D108BD9-81ED-4DB2-BD59-A6C34878D82A}">
+                    <a16:rowId xmlns:a16="http://schemas.microsoft.com/office/drawing/2014/main" val="2731344500"/>
+                  </a:ext>
+                </a:extLst>
+              </a:tr>
+              <a:tr h="132132">
+                <a:tc>
+                  <a:txBody>
+                    <a:bodyPr/>
+                    <a:lstStyle/>
+                    <a:p>
+                      <a:r>
+                        <a:rPr lang="de-DE" sz="1600" dirty="0"/>
+                        <a:t>15</a:t>
+                      </a:r>
+                    </a:p>
+                  </a:txBody>
+                  <a:tcPr/>
+                </a:tc>
+                <a:tc>
+                  <a:txBody>
+                    <a:bodyPr/>
+                    <a:lstStyle/>
+                    <a:p>
+                      <a:r>
+                        <a:rPr lang="de-DE" sz="1600" b="1" dirty="0"/>
+                        <a:t>P3</a:t>
+                      </a:r>
+                    </a:p>
+                  </a:txBody>
+                  <a:tcPr/>
+                </a:tc>
+                <a:tc>
+                  <a:txBody>
+                    <a:bodyPr/>
+                    <a:lstStyle/>
+                    <a:p>
+                      <a:r>
+                        <a:rPr lang="de-DE" sz="1600" dirty="0"/>
+                        <a:t>12</a:t>
+                      </a:r>
+                    </a:p>
+                  </a:txBody>
+                  <a:tcPr/>
+                </a:tc>
+                <a:tc>
+                  <a:txBody>
+                    <a:bodyPr/>
+                    <a:lstStyle/>
+                    <a:p>
+                      <a:r>
+                        <a:rPr lang="de-DE" sz="1600" dirty="0"/>
+                        <a:t>13</a:t>
+                      </a:r>
+                    </a:p>
+                  </a:txBody>
+                  <a:tcPr/>
+                </a:tc>
+                <a:tc>
+                  <a:txBody>
+                    <a:bodyPr/>
+                    <a:lstStyle/>
+                    <a:p>
+                      <a:r>
+                        <a:rPr lang="de-DE" sz="1600" dirty="0"/>
+                        <a:t>14</a:t>
+                      </a:r>
+                    </a:p>
+                  </a:txBody>
+                  <a:tcPr/>
+                </a:tc>
+                <a:extLst>
+                  <a:ext uri="{0D108BD9-81ED-4DB2-BD59-A6C34878D82A}">
+                    <a16:rowId xmlns:a16="http://schemas.microsoft.com/office/drawing/2014/main" val="3564720265"/>
+                  </a:ext>
+                </a:extLst>
+              </a:tr>
+              <a:tr h="132132">
+                <a:tc>
+                  <a:txBody>
+                    <a:bodyPr/>
+                    <a:lstStyle/>
+                    <a:p>
+                      <a:r>
+                        <a:rPr lang="de-DE" sz="1600" b="1" dirty="0"/>
+                        <a:t>P4</a:t>
+                      </a:r>
+                    </a:p>
+                  </a:txBody>
+                  <a:tcPr/>
+                </a:tc>
+                <a:tc>
+                  <a:txBody>
+                    <a:bodyPr/>
+                    <a:lstStyle/>
+                    <a:p>
+                      <a:r>
+                        <a:rPr lang="de-DE" sz="1600" dirty="0"/>
+                        <a:t>16</a:t>
+                      </a:r>
+                    </a:p>
+                  </a:txBody>
+                  <a:tcPr/>
+                </a:tc>
+                <a:tc>
+                  <a:txBody>
+                    <a:bodyPr/>
+                    <a:lstStyle/>
+                    <a:p>
+                      <a:r>
+                        <a:rPr lang="de-DE" sz="1600" dirty="0"/>
+                        <a:t>17</a:t>
+                      </a:r>
+                    </a:p>
+                  </a:txBody>
+                  <a:tcPr/>
+                </a:tc>
+                <a:tc>
+                  <a:txBody>
+                    <a:bodyPr/>
+                    <a:lstStyle/>
+                    <a:p>
+                      <a:r>
+                        <a:rPr lang="de-DE" sz="1600" dirty="0"/>
+                        <a:t>18</a:t>
+                      </a:r>
+                    </a:p>
+                  </a:txBody>
+                  <a:tcPr/>
+                </a:tc>
+                <a:tc>
+                  <a:txBody>
+                    <a:bodyPr/>
+                    <a:lstStyle/>
+                    <a:p>
+                      <a:r>
+                        <a:rPr lang="de-DE" sz="1600" dirty="0"/>
+                        <a:t>19</a:t>
+                      </a:r>
+                    </a:p>
+                  </a:txBody>
+                  <a:tcPr/>
+                </a:tc>
+                <a:extLst>
+                  <a:ext uri="{0D108BD9-81ED-4DB2-BD59-A6C34878D82A}">
+                    <a16:rowId xmlns:a16="http://schemas.microsoft.com/office/drawing/2014/main" val="3189137912"/>
+                  </a:ext>
+                </a:extLst>
+              </a:tr>
+            </a:tbl>
+          </a:graphicData>
+        </a:graphic>
+      </p:graphicFrame>
+      <p:sp>
+        <p:nvSpPr>
+          <p:cNvPr id="3" name="TextBox 2">
+            <a:extLst>
+              <a:ext uri="{FF2B5EF4-FFF2-40B4-BE49-F238E27FC236}">
+                <a16:creationId xmlns:a16="http://schemas.microsoft.com/office/drawing/2014/main" id="{81DCEB40-50E8-44F3-AE05-68000B31F2A8}"/>
+              </a:ext>
+            </a:extLst>
+          </p:cNvPr>
+          <p:cNvSpPr txBox="1"/>
+          <p:nvPr/>
+        </p:nvSpPr>
+        <p:spPr>
+          <a:xfrm>
+            <a:off x="0" y="0"/>
+            <a:ext cx="1561453" cy="369332"/>
+          </a:xfrm>
+          <a:prstGeom prst="rect">
+            <a:avLst/>
+          </a:prstGeom>
+          <a:noFill/>
+        </p:spPr>
+        <p:txBody>
+          <a:bodyPr wrap="none" rtlCol="0">
+            <a:spAutoFit/>
+          </a:bodyPr>
+          <a:lstStyle/>
+          <a:p>
+            <a:r>
+              <a:rPr lang="de-DE" dirty="0" err="1"/>
+              <a:t>Rotating</a:t>
+            </a:r>
+            <a:r>
+              <a:rPr lang="de-DE" dirty="0"/>
+              <a:t> Parity</a:t>
+            </a:r>
+          </a:p>
+        </p:txBody>
+      </p:sp>
+    </p:spTree>
+    <p:extLst>
+      <p:ext uri="{BB962C8B-B14F-4D97-AF65-F5344CB8AC3E}">
+        <p14:creationId xmlns:p14="http://schemas.microsoft.com/office/powerpoint/2010/main" val="3560301187"/>
       </p:ext>
     </p:extLst>
   </p:cSld>
